--- a/Doc/知识点记录.pptx
+++ b/Doc/知识点记录.pptx
@@ -254,7 +254,7 @@
           <a:p>
             <a:fld id="{D997B5FA-0921-464F-AAE1-844C04324D75}" type="datetimeFigureOut">
               <a:rPr lang="zh-CN" altLang="en-US" smtClean="0"/>
-              <a:t>2025/9/22</a:t>
+              <a:t>2025/9/26</a:t>
             </a:fld>
             <a:endParaRPr lang="zh-CN" altLang="en-US"/>
           </a:p>
@@ -417,7 +417,7 @@
           <a:p>
             <a:fld id="{D997B5FA-0921-464F-AAE1-844C04324D75}" type="datetimeFigureOut">
               <a:rPr lang="zh-CN" altLang="en-US" smtClean="0"/>
-              <a:t>2025/9/22</a:t>
+              <a:t>2025/9/26</a:t>
             </a:fld>
             <a:endParaRPr lang="zh-CN" altLang="en-US"/>
           </a:p>
@@ -590,7 +590,7 @@
           <a:p>
             <a:fld id="{D997B5FA-0921-464F-AAE1-844C04324D75}" type="datetimeFigureOut">
               <a:rPr lang="zh-CN" altLang="en-US" smtClean="0"/>
-              <a:t>2025/9/22</a:t>
+              <a:t>2025/9/26</a:t>
             </a:fld>
             <a:endParaRPr lang="zh-CN" altLang="en-US"/>
           </a:p>
@@ -753,7 +753,7 @@
           <a:p>
             <a:fld id="{D997B5FA-0921-464F-AAE1-844C04324D75}" type="datetimeFigureOut">
               <a:rPr lang="zh-CN" altLang="en-US" smtClean="0"/>
-              <a:t>2025/9/22</a:t>
+              <a:t>2025/9/26</a:t>
             </a:fld>
             <a:endParaRPr lang="zh-CN" altLang="en-US"/>
           </a:p>
@@ -993,7 +993,7 @@
           <a:p>
             <a:fld id="{D997B5FA-0921-464F-AAE1-844C04324D75}" type="datetimeFigureOut">
               <a:rPr lang="zh-CN" altLang="en-US" smtClean="0"/>
-              <a:t>2025/9/22</a:t>
+              <a:t>2025/9/26</a:t>
             </a:fld>
             <a:endParaRPr lang="zh-CN" altLang="en-US"/>
           </a:p>
@@ -1217,7 +1217,7 @@
           <a:p>
             <a:fld id="{D997B5FA-0921-464F-AAE1-844C04324D75}" type="datetimeFigureOut">
               <a:rPr lang="zh-CN" altLang="en-US" smtClean="0"/>
-              <a:t>2025/9/22</a:t>
+              <a:t>2025/9/26</a:t>
             </a:fld>
             <a:endParaRPr lang="zh-CN" altLang="en-US"/>
           </a:p>
@@ -1576,7 +1576,7 @@
           <a:p>
             <a:fld id="{D997B5FA-0921-464F-AAE1-844C04324D75}" type="datetimeFigureOut">
               <a:rPr lang="zh-CN" altLang="en-US" smtClean="0"/>
-              <a:t>2025/9/22</a:t>
+              <a:t>2025/9/26</a:t>
             </a:fld>
             <a:endParaRPr lang="zh-CN" altLang="en-US"/>
           </a:p>
@@ -1688,7 +1688,7 @@
           <a:p>
             <a:fld id="{D997B5FA-0921-464F-AAE1-844C04324D75}" type="datetimeFigureOut">
               <a:rPr lang="zh-CN" altLang="en-US" smtClean="0"/>
-              <a:t>2025/9/22</a:t>
+              <a:t>2025/9/26</a:t>
             </a:fld>
             <a:endParaRPr lang="zh-CN" altLang="en-US"/>
           </a:p>
@@ -1778,7 +1778,7 @@
           <a:p>
             <a:fld id="{D997B5FA-0921-464F-AAE1-844C04324D75}" type="datetimeFigureOut">
               <a:rPr lang="zh-CN" altLang="en-US" smtClean="0"/>
-              <a:t>2025/9/22</a:t>
+              <a:t>2025/9/26</a:t>
             </a:fld>
             <a:endParaRPr lang="zh-CN" altLang="en-US"/>
           </a:p>
@@ -2048,7 +2048,7 @@
           <a:p>
             <a:fld id="{D997B5FA-0921-464F-AAE1-844C04324D75}" type="datetimeFigureOut">
               <a:rPr lang="zh-CN" altLang="en-US" smtClean="0"/>
-              <a:t>2025/9/22</a:t>
+              <a:t>2025/9/26</a:t>
             </a:fld>
             <a:endParaRPr lang="zh-CN" altLang="en-US"/>
           </a:p>
@@ -2295,7 +2295,7 @@
           <a:p>
             <a:fld id="{D997B5FA-0921-464F-AAE1-844C04324D75}" type="datetimeFigureOut">
               <a:rPr lang="zh-CN" altLang="en-US" smtClean="0"/>
-              <a:t>2025/9/22</a:t>
+              <a:t>2025/9/26</a:t>
             </a:fld>
             <a:endParaRPr lang="zh-CN" altLang="en-US"/>
           </a:p>
@@ -2501,7 +2501,7 @@
           <a:p>
             <a:fld id="{D997B5FA-0921-464F-AAE1-844C04324D75}" type="datetimeFigureOut">
               <a:rPr lang="zh-CN" altLang="en-US" smtClean="0"/>
-              <a:t>2025/9/22</a:t>
+              <a:t>2025/9/26</a:t>
             </a:fld>
             <a:endParaRPr lang="zh-CN" altLang="en-US"/>
           </a:p>
@@ -3185,6 +3185,193 @@
           </a:p>
         </p:txBody>
       </p:sp>
+      <p:sp>
+        <p:nvSpPr>
+          <p:cNvPr id="2" name="文本框 1">
+            <a:extLst>
+              <a:ext uri="{FF2B5EF4-FFF2-40B4-BE49-F238E27FC236}">
+                <a16:creationId xmlns:a16="http://schemas.microsoft.com/office/drawing/2014/main" id="{35D37662-ADF1-DAFB-4851-ED0641589DA2}"/>
+              </a:ext>
+            </a:extLst>
+          </p:cNvPr>
+          <p:cNvSpPr txBox="1"/>
+          <p:nvPr/>
+        </p:nvSpPr>
+        <p:spPr>
+          <a:xfrm>
+            <a:off x="612397" y="2281806"/>
+            <a:ext cx="7348487" cy="369332"/>
+          </a:xfrm>
+          <a:prstGeom prst="rect">
+            <a:avLst/>
+          </a:prstGeom>
+          <a:noFill/>
+        </p:spPr>
+        <p:txBody>
+          <a:bodyPr wrap="none" rtlCol="0">
+            <a:spAutoFit/>
+          </a:bodyPr>
+          <a:lstStyle/>
+          <a:p>
+            <a:r>
+              <a:rPr lang="zh-CN" altLang="en-US" dirty="0"/>
+              <a:t>当使用</a:t>
+            </a:r>
+            <a:r>
+              <a:rPr lang="en-US" altLang="zh-CN" dirty="0" err="1"/>
+              <a:t>i</a:t>
+            </a:r>
+            <a:r>
+              <a:rPr lang="en-US" altLang="zh-CN" dirty="0"/>
+              <a:t>-type</a:t>
+            </a:r>
+            <a:r>
+              <a:rPr lang="zh-CN" altLang="en-US" dirty="0"/>
+              <a:t>的逻辑运算指令时，如果立即数的最高位为</a:t>
+            </a:r>
+            <a:r>
+              <a:rPr lang="en-US" altLang="zh-CN" dirty="0"/>
+              <a:t>1</a:t>
+            </a:r>
+            <a:r>
+              <a:rPr lang="zh-CN" altLang="en-US" dirty="0"/>
+              <a:t>，编译出错。</a:t>
+            </a:r>
+          </a:p>
+        </p:txBody>
+      </p:sp>
+      <p:sp>
+        <p:nvSpPr>
+          <p:cNvPr id="3" name="文本框 2">
+            <a:extLst>
+              <a:ext uri="{FF2B5EF4-FFF2-40B4-BE49-F238E27FC236}">
+                <a16:creationId xmlns:a16="http://schemas.microsoft.com/office/drawing/2014/main" id="{774BDFF2-D95A-B496-1909-9AD3EE3A7904}"/>
+              </a:ext>
+            </a:extLst>
+          </p:cNvPr>
+          <p:cNvSpPr txBox="1"/>
+          <p:nvPr/>
+        </p:nvSpPr>
+        <p:spPr>
+          <a:xfrm>
+            <a:off x="612397" y="2937545"/>
+            <a:ext cx="11213070" cy="1477328"/>
+          </a:xfrm>
+          <a:prstGeom prst="rect">
+            <a:avLst/>
+          </a:prstGeom>
+          <a:noFill/>
+        </p:spPr>
+        <p:txBody>
+          <a:bodyPr wrap="none" rtlCol="0">
+            <a:spAutoFit/>
+          </a:bodyPr>
+          <a:lstStyle/>
+          <a:p>
+            <a:r>
+              <a:rPr lang="zh-CN" altLang="en-US" dirty="0"/>
+              <a:t>关于数据冒险，采用直通的方式，满足：</a:t>
+            </a:r>
+            <a:endParaRPr lang="en-US" altLang="zh-CN" dirty="0"/>
+          </a:p>
+          <a:p>
+            <a:r>
+              <a:rPr lang="en-US" altLang="zh-CN" dirty="0"/>
+              <a:t>    ex</a:t>
+            </a:r>
+            <a:r>
+              <a:rPr lang="zh-CN" altLang="en-US" dirty="0"/>
+              <a:t>阶段的地址等于</a:t>
+            </a:r>
+            <a:r>
+              <a:rPr lang="en-US" altLang="zh-CN" dirty="0"/>
+              <a:t>id</a:t>
+            </a:r>
+            <a:r>
+              <a:rPr lang="zh-CN" altLang="en-US" dirty="0"/>
+              <a:t>阶段的地址，且写使能；</a:t>
+            </a:r>
+            <a:endParaRPr lang="en-US" altLang="zh-CN" dirty="0"/>
+          </a:p>
+          <a:p>
+            <a:r>
+              <a:rPr lang="en-US" altLang="zh-CN" dirty="0"/>
+              <a:t>    mem</a:t>
+            </a:r>
+            <a:r>
+              <a:rPr lang="zh-CN" altLang="en-US" dirty="0"/>
+              <a:t>阶段的地址等于</a:t>
+            </a:r>
+            <a:r>
+              <a:rPr lang="en-US" altLang="zh-CN" dirty="0"/>
+              <a:t>id</a:t>
+            </a:r>
+            <a:r>
+              <a:rPr lang="zh-CN" altLang="en-US" dirty="0"/>
+              <a:t>阶段的地址，且写使能；</a:t>
+            </a:r>
+            <a:endParaRPr lang="en-US" altLang="zh-CN" dirty="0"/>
+          </a:p>
+          <a:p>
+            <a:r>
+              <a:rPr lang="en-US" altLang="zh-CN" dirty="0"/>
+              <a:t>    </a:t>
+            </a:r>
+            <a:r>
+              <a:rPr lang="en-US" altLang="zh-CN" dirty="0" err="1"/>
+              <a:t>wb</a:t>
+            </a:r>
+            <a:r>
+              <a:rPr lang="zh-CN" altLang="en-US" dirty="0"/>
+              <a:t>阶段的地址等于</a:t>
+            </a:r>
+            <a:r>
+              <a:rPr lang="en-US" altLang="zh-CN" dirty="0"/>
+              <a:t>id</a:t>
+            </a:r>
+            <a:r>
+              <a:rPr lang="zh-CN" altLang="en-US" dirty="0"/>
+              <a:t>阶段的地址，且写使能；</a:t>
+            </a:r>
+            <a:endParaRPr lang="en-US" altLang="zh-CN" dirty="0"/>
+          </a:p>
+          <a:p>
+            <a:r>
+              <a:rPr lang="zh-CN" altLang="en-US" dirty="0"/>
+              <a:t>但有一个问题，假如是</a:t>
+            </a:r>
+            <a:r>
+              <a:rPr lang="en-US" altLang="zh-CN" dirty="0"/>
+              <a:t>load</a:t>
+            </a:r>
+            <a:r>
+              <a:rPr lang="zh-CN" altLang="en-US" dirty="0"/>
+              <a:t>指令，</a:t>
+            </a:r>
+            <a:r>
+              <a:rPr lang="en-US" altLang="zh-CN" dirty="0"/>
+              <a:t>ex</a:t>
+            </a:r>
+            <a:r>
+              <a:rPr lang="zh-CN" altLang="en-US" dirty="0"/>
+              <a:t>阶段确实能知道需要写入数据，但是实际数据需要在</a:t>
+            </a:r>
+            <a:r>
+              <a:rPr lang="en-US" altLang="zh-CN" dirty="0"/>
+              <a:t>mem</a:t>
+            </a:r>
+            <a:r>
+              <a:rPr lang="zh-CN" altLang="en-US" dirty="0"/>
+              <a:t>阶段才能</a:t>
+            </a:r>
+            <a:r>
+              <a:rPr lang="zh-CN" altLang="en-US"/>
+              <a:t>出来。</a:t>
+            </a:r>
+            <a:endParaRPr lang="en-US" altLang="zh-CN" dirty="0"/>
+          </a:p>
+        </p:txBody>
+      </p:sp>
     </p:spTree>
     <p:extLst>
       <p:ext uri="{BB962C8B-B14F-4D97-AF65-F5344CB8AC3E}">
@@ -3215,61 +3402,6 @@
           <a:chExt cx="0" cy="0"/>
         </a:xfrm>
       </p:grpSpPr>
-      <p:sp>
-        <p:nvSpPr>
-          <p:cNvPr id="4" name="文本框 3">
-            <a:extLst>
-              <a:ext uri="{FF2B5EF4-FFF2-40B4-BE49-F238E27FC236}">
-                <a16:creationId xmlns:a16="http://schemas.microsoft.com/office/drawing/2014/main" id="{35D37662-ADF1-DAFB-4851-ED0641589DA2}"/>
-              </a:ext>
-            </a:extLst>
-          </p:cNvPr>
-          <p:cNvSpPr txBox="1"/>
-          <p:nvPr/>
-        </p:nvSpPr>
-        <p:spPr>
-          <a:xfrm>
-            <a:off x="872455" y="1174459"/>
-            <a:ext cx="7348487" cy="369332"/>
-          </a:xfrm>
-          <a:prstGeom prst="rect">
-            <a:avLst/>
-          </a:prstGeom>
-          <a:noFill/>
-        </p:spPr>
-        <p:txBody>
-          <a:bodyPr wrap="none" rtlCol="0">
-            <a:spAutoFit/>
-          </a:bodyPr>
-          <a:lstStyle/>
-          <a:p>
-            <a:r>
-              <a:rPr lang="zh-CN" altLang="en-US" dirty="0"/>
-              <a:t>当使用</a:t>
-            </a:r>
-            <a:r>
-              <a:rPr lang="en-US" altLang="zh-CN" dirty="0" err="1"/>
-              <a:t>i</a:t>
-            </a:r>
-            <a:r>
-              <a:rPr lang="en-US" altLang="zh-CN" dirty="0"/>
-              <a:t>-type</a:t>
-            </a:r>
-            <a:r>
-              <a:rPr lang="zh-CN" altLang="en-US" dirty="0"/>
-              <a:t>的逻辑运算指令时，如果立即数的最高位为</a:t>
-            </a:r>
-            <a:r>
-              <a:rPr lang="en-US" altLang="zh-CN" dirty="0"/>
-              <a:t>1</a:t>
-            </a:r>
-            <a:r>
-              <a:rPr lang="zh-CN" altLang="en-US" dirty="0"/>
-              <a:t>，编译出错。</a:t>
-            </a:r>
-          </a:p>
-        </p:txBody>
-      </p:sp>
     </p:spTree>
     <p:extLst>
       <p:ext uri="{BB962C8B-B14F-4D97-AF65-F5344CB8AC3E}">

--- a/Doc/知识点记录.pptx
+++ b/Doc/知识点记录.pptx
@@ -7,7 +7,6 @@
   <p:sldIdLst>
     <p:sldId id="256" r:id="rId2"/>
     <p:sldId id="257" r:id="rId3"/>
-    <p:sldId id="258" r:id="rId4"/>
   </p:sldIdLst>
   <p:sldSz cx="12192000" cy="6858000"/>
   <p:notesSz cx="6858000" cy="9144000"/>
@@ -3255,7 +3254,7 @@
         <p:spPr>
           <a:xfrm>
             <a:off x="612397" y="2937545"/>
-            <a:ext cx="11213070" cy="1477328"/>
+            <a:ext cx="11213070" cy="2031325"/>
           </a:xfrm>
           <a:prstGeom prst="rect">
             <a:avLst/>
@@ -3362,11 +3361,41 @@
             </a:r>
             <a:r>
               <a:rPr lang="zh-CN" altLang="en-US" dirty="0"/>
-              <a:t>阶段才能</a:t>
-            </a:r>
-            <a:r>
-              <a:rPr lang="zh-CN" altLang="en-US"/>
-              <a:t>出来。</a:t>
+              <a:t>阶段才能出来。</a:t>
+            </a:r>
+            <a:endParaRPr lang="en-US" altLang="zh-CN" dirty="0"/>
+          </a:p>
+          <a:p>
+            <a:r>
+              <a:rPr lang="zh-CN" altLang="en-US" dirty="0"/>
+              <a:t>解决方案：</a:t>
+            </a:r>
+            <a:endParaRPr lang="en-US" altLang="zh-CN" dirty="0"/>
+          </a:p>
+          <a:p>
+            <a:r>
+              <a:rPr lang="en-US" altLang="zh-CN" dirty="0"/>
+              <a:t>    </a:t>
+            </a:r>
+            <a:r>
+              <a:rPr lang="zh-CN" altLang="en-US" dirty="0"/>
+              <a:t>引入</a:t>
+            </a:r>
+            <a:r>
+              <a:rPr lang="en-US" altLang="zh-CN" dirty="0"/>
+              <a:t>stall</a:t>
+            </a:r>
+            <a:r>
+              <a:rPr lang="zh-CN" altLang="en-US" dirty="0"/>
+              <a:t>信号，停止</a:t>
+            </a:r>
+            <a:r>
+              <a:rPr lang="en-US" altLang="zh-CN" dirty="0"/>
+              <a:t>ID</a:t>
+            </a:r>
+            <a:r>
+              <a:rPr lang="zh-CN" altLang="en-US"/>
+              <a:t>阶段之前的所有流水线寄存器</a:t>
             </a:r>
             <a:endParaRPr lang="en-US" altLang="zh-CN" dirty="0"/>
           </a:p>
@@ -3376,36 +3405,6 @@
     <p:extLst>
       <p:ext uri="{BB962C8B-B14F-4D97-AF65-F5344CB8AC3E}">
         <p14:creationId xmlns:p14="http://schemas.microsoft.com/office/powerpoint/2010/main" val="1934457002"/>
-      </p:ext>
-    </p:extLst>
-  </p:cSld>
-  <p:clrMapOvr>
-    <a:masterClrMapping/>
-  </p:clrMapOvr>
-</p:sld>
-</file>
-
-<file path=ppt/slides/slide3.xml><?xml version="1.0" encoding="utf-8"?>
-<p:sld xmlns:a="http://schemas.openxmlformats.org/drawingml/2006/main" xmlns:r="http://schemas.openxmlformats.org/officeDocument/2006/relationships" xmlns:p="http://schemas.openxmlformats.org/presentationml/2006/main">
-  <p:cSld>
-    <p:spTree>
-      <p:nvGrpSpPr>
-        <p:cNvPr id="1" name=""/>
-        <p:cNvGrpSpPr/>
-        <p:nvPr/>
-      </p:nvGrpSpPr>
-      <p:grpSpPr>
-        <a:xfrm>
-          <a:off x="0" y="0"/>
-          <a:ext cx="0" cy="0"/>
-          <a:chOff x="0" y="0"/>
-          <a:chExt cx="0" cy="0"/>
-        </a:xfrm>
-      </p:grpSpPr>
-    </p:spTree>
-    <p:extLst>
-      <p:ext uri="{BB962C8B-B14F-4D97-AF65-F5344CB8AC3E}">
-        <p14:creationId xmlns:p14="http://schemas.microsoft.com/office/powerpoint/2010/main" val="3223998691"/>
       </p:ext>
     </p:extLst>
   </p:cSld>

--- a/Doc/知识点记录.pptx
+++ b/Doc/知识点记录.pptx
@@ -253,7 +253,7 @@
           <a:p>
             <a:fld id="{D997B5FA-0921-464F-AAE1-844C04324D75}" type="datetimeFigureOut">
               <a:rPr lang="zh-CN" altLang="en-US" smtClean="0"/>
-              <a:t>2025/9/26</a:t>
+              <a:t>2025/9/28</a:t>
             </a:fld>
             <a:endParaRPr lang="zh-CN" altLang="en-US"/>
           </a:p>
@@ -416,7 +416,7 @@
           <a:p>
             <a:fld id="{D997B5FA-0921-464F-AAE1-844C04324D75}" type="datetimeFigureOut">
               <a:rPr lang="zh-CN" altLang="en-US" smtClean="0"/>
-              <a:t>2025/9/26</a:t>
+              <a:t>2025/9/28</a:t>
             </a:fld>
             <a:endParaRPr lang="zh-CN" altLang="en-US"/>
           </a:p>
@@ -589,7 +589,7 @@
           <a:p>
             <a:fld id="{D997B5FA-0921-464F-AAE1-844C04324D75}" type="datetimeFigureOut">
               <a:rPr lang="zh-CN" altLang="en-US" smtClean="0"/>
-              <a:t>2025/9/26</a:t>
+              <a:t>2025/9/28</a:t>
             </a:fld>
             <a:endParaRPr lang="zh-CN" altLang="en-US"/>
           </a:p>
@@ -752,7 +752,7 @@
           <a:p>
             <a:fld id="{D997B5FA-0921-464F-AAE1-844C04324D75}" type="datetimeFigureOut">
               <a:rPr lang="zh-CN" altLang="en-US" smtClean="0"/>
-              <a:t>2025/9/26</a:t>
+              <a:t>2025/9/28</a:t>
             </a:fld>
             <a:endParaRPr lang="zh-CN" altLang="en-US"/>
           </a:p>
@@ -992,7 +992,7 @@
           <a:p>
             <a:fld id="{D997B5FA-0921-464F-AAE1-844C04324D75}" type="datetimeFigureOut">
               <a:rPr lang="zh-CN" altLang="en-US" smtClean="0"/>
-              <a:t>2025/9/26</a:t>
+              <a:t>2025/9/28</a:t>
             </a:fld>
             <a:endParaRPr lang="zh-CN" altLang="en-US"/>
           </a:p>
@@ -1216,7 +1216,7 @@
           <a:p>
             <a:fld id="{D997B5FA-0921-464F-AAE1-844C04324D75}" type="datetimeFigureOut">
               <a:rPr lang="zh-CN" altLang="en-US" smtClean="0"/>
-              <a:t>2025/9/26</a:t>
+              <a:t>2025/9/28</a:t>
             </a:fld>
             <a:endParaRPr lang="zh-CN" altLang="en-US"/>
           </a:p>
@@ -1575,7 +1575,7 @@
           <a:p>
             <a:fld id="{D997B5FA-0921-464F-AAE1-844C04324D75}" type="datetimeFigureOut">
               <a:rPr lang="zh-CN" altLang="en-US" smtClean="0"/>
-              <a:t>2025/9/26</a:t>
+              <a:t>2025/9/28</a:t>
             </a:fld>
             <a:endParaRPr lang="zh-CN" altLang="en-US"/>
           </a:p>
@@ -1687,7 +1687,7 @@
           <a:p>
             <a:fld id="{D997B5FA-0921-464F-AAE1-844C04324D75}" type="datetimeFigureOut">
               <a:rPr lang="zh-CN" altLang="en-US" smtClean="0"/>
-              <a:t>2025/9/26</a:t>
+              <a:t>2025/9/28</a:t>
             </a:fld>
             <a:endParaRPr lang="zh-CN" altLang="en-US"/>
           </a:p>
@@ -1777,7 +1777,7 @@
           <a:p>
             <a:fld id="{D997B5FA-0921-464F-AAE1-844C04324D75}" type="datetimeFigureOut">
               <a:rPr lang="zh-CN" altLang="en-US" smtClean="0"/>
-              <a:t>2025/9/26</a:t>
+              <a:t>2025/9/28</a:t>
             </a:fld>
             <a:endParaRPr lang="zh-CN" altLang="en-US"/>
           </a:p>
@@ -2047,7 +2047,7 @@
           <a:p>
             <a:fld id="{D997B5FA-0921-464F-AAE1-844C04324D75}" type="datetimeFigureOut">
               <a:rPr lang="zh-CN" altLang="en-US" smtClean="0"/>
-              <a:t>2025/9/26</a:t>
+              <a:t>2025/9/28</a:t>
             </a:fld>
             <a:endParaRPr lang="zh-CN" altLang="en-US"/>
           </a:p>
@@ -2294,7 +2294,7 @@
           <a:p>
             <a:fld id="{D997B5FA-0921-464F-AAE1-844C04324D75}" type="datetimeFigureOut">
               <a:rPr lang="zh-CN" altLang="en-US" smtClean="0"/>
-              <a:t>2025/9/26</a:t>
+              <a:t>2025/9/28</a:t>
             </a:fld>
             <a:endParaRPr lang="zh-CN" altLang="en-US"/>
           </a:p>
@@ -2500,7 +2500,7 @@
           <a:p>
             <a:fld id="{D997B5FA-0921-464F-AAE1-844C04324D75}" type="datetimeFigureOut">
               <a:rPr lang="zh-CN" altLang="en-US" smtClean="0"/>
-              <a:t>2025/9/26</a:t>
+              <a:t>2025/9/28</a:t>
             </a:fld>
             <a:endParaRPr lang="zh-CN" altLang="en-US"/>
           </a:p>
@@ -3394,10 +3394,230 @@
               <a:t>ID</a:t>
             </a:r>
             <a:r>
-              <a:rPr lang="zh-CN" altLang="en-US"/>
+              <a:rPr lang="zh-CN" altLang="en-US" dirty="0"/>
               <a:t>阶段之前的所有流水线寄存器</a:t>
             </a:r>
             <a:endParaRPr lang="en-US" altLang="zh-CN" dirty="0"/>
+          </a:p>
+        </p:txBody>
+      </p:sp>
+      <p:sp>
+        <p:nvSpPr>
+          <p:cNvPr id="5" name="文本框 4">
+            <a:extLst>
+              <a:ext uri="{FF2B5EF4-FFF2-40B4-BE49-F238E27FC236}">
+                <a16:creationId xmlns:a16="http://schemas.microsoft.com/office/drawing/2014/main" id="{FCF5AC3A-79FE-100A-9F73-7E3B7D425DD5}"/>
+              </a:ext>
+            </a:extLst>
+          </p:cNvPr>
+          <p:cNvSpPr txBox="1"/>
+          <p:nvPr/>
+        </p:nvSpPr>
+        <p:spPr>
+          <a:xfrm>
+            <a:off x="612396" y="5160628"/>
+            <a:ext cx="11158568" cy="1477328"/>
+          </a:xfrm>
+          <a:prstGeom prst="rect">
+            <a:avLst/>
+          </a:prstGeom>
+          <a:noFill/>
+        </p:spPr>
+        <p:txBody>
+          <a:bodyPr wrap="none" rtlCol="0">
+            <a:spAutoFit/>
+          </a:bodyPr>
+          <a:lstStyle/>
+          <a:p>
+            <a:r>
+              <a:rPr lang="zh-CN" altLang="en-US" dirty="0"/>
+              <a:t>我为了让</a:t>
+            </a:r>
+            <a:r>
+              <a:rPr lang="en-US" altLang="zh-CN" dirty="0"/>
+              <a:t>load</a:t>
+            </a:r>
+            <a:r>
+              <a:rPr lang="zh-CN" altLang="en-US" dirty="0"/>
+              <a:t>指令能在</a:t>
+            </a:r>
+            <a:r>
+              <a:rPr lang="en-US" altLang="zh-CN" dirty="0"/>
+              <a:t>mem</a:t>
+            </a:r>
+            <a:r>
+              <a:rPr lang="zh-CN" altLang="en-US" dirty="0"/>
+              <a:t>阶段拿到数据，就让</a:t>
+            </a:r>
+            <a:r>
+              <a:rPr lang="en-US" altLang="zh-CN" dirty="0"/>
+              <a:t>load</a:t>
+            </a:r>
+            <a:r>
+              <a:rPr lang="zh-CN" altLang="en-US" dirty="0"/>
+              <a:t>的地址在</a:t>
+            </a:r>
+            <a:r>
+              <a:rPr lang="en-US" altLang="zh-CN" dirty="0"/>
+              <a:t>ex</a:t>
+            </a:r>
+            <a:r>
+              <a:rPr lang="zh-CN" altLang="en-US" dirty="0"/>
+              <a:t>阶段就生效了，这样带来一个问题，如果我在</a:t>
+            </a:r>
+            <a:endParaRPr lang="en-US" altLang="zh-CN" dirty="0"/>
+          </a:p>
+          <a:p>
+            <a:r>
+              <a:rPr lang="en-US" altLang="zh-CN" dirty="0"/>
+              <a:t>store</a:t>
+            </a:r>
+            <a:r>
+              <a:rPr lang="zh-CN" altLang="en-US" dirty="0"/>
+              <a:t>后立即</a:t>
+            </a:r>
+            <a:r>
+              <a:rPr lang="en-US" altLang="zh-CN" dirty="0"/>
+              <a:t>load</a:t>
+            </a:r>
+            <a:r>
+              <a:rPr lang="zh-CN" altLang="en-US" dirty="0"/>
+              <a:t>，就会导致</a:t>
+            </a:r>
+            <a:r>
+              <a:rPr lang="en-US" altLang="zh-CN" dirty="0"/>
+              <a:t>load</a:t>
+            </a:r>
+            <a:r>
+              <a:rPr lang="zh-CN" altLang="en-US" dirty="0"/>
+              <a:t>的太快而读不到</a:t>
+            </a:r>
+            <a:r>
+              <a:rPr lang="en-US" altLang="zh-CN" dirty="0"/>
+              <a:t>store</a:t>
+            </a:r>
+            <a:r>
+              <a:rPr lang="zh-CN" altLang="en-US" dirty="0"/>
+              <a:t>的数据。</a:t>
+            </a:r>
+            <a:endParaRPr lang="en-US" altLang="zh-CN" dirty="0"/>
+          </a:p>
+          <a:p>
+            <a:r>
+              <a:rPr lang="zh-CN" altLang="en-US" dirty="0"/>
+              <a:t>这里我临时使用数据直通的方法来解决这个问题。</a:t>
+            </a:r>
+            <a:endParaRPr lang="en-US" altLang="zh-CN" dirty="0"/>
+          </a:p>
+          <a:p>
+            <a:r>
+              <a:rPr lang="en-US" altLang="zh-CN" dirty="0">
+                <a:solidFill>
+                  <a:srgbClr val="FF0000"/>
+                </a:solidFill>
+              </a:rPr>
+              <a:t>	</a:t>
+            </a:r>
+            <a:r>
+              <a:rPr lang="zh-CN" altLang="en-US" dirty="0">
+                <a:solidFill>
+                  <a:srgbClr val="FF0000"/>
+                </a:solidFill>
+              </a:rPr>
+              <a:t>如果</a:t>
+            </a:r>
+            <a:r>
+              <a:rPr lang="en-US" altLang="zh-CN" dirty="0">
+                <a:solidFill>
+                  <a:srgbClr val="FF0000"/>
+                </a:solidFill>
+              </a:rPr>
+              <a:t>store</a:t>
+            </a:r>
+            <a:r>
+              <a:rPr lang="zh-CN" altLang="en-US" dirty="0">
+                <a:solidFill>
+                  <a:srgbClr val="FF0000"/>
+                </a:solidFill>
+              </a:rPr>
+              <a:t>后，立马</a:t>
+            </a:r>
+            <a:r>
+              <a:rPr lang="en-US" altLang="zh-CN" dirty="0">
+                <a:solidFill>
+                  <a:srgbClr val="FF0000"/>
+                </a:solidFill>
+              </a:rPr>
+              <a:t>load</a:t>
+            </a:r>
+            <a:r>
+              <a:rPr lang="zh-CN" altLang="en-US" dirty="0">
+                <a:solidFill>
+                  <a:srgbClr val="FF0000"/>
+                </a:solidFill>
+              </a:rPr>
+              <a:t>，但是</a:t>
+            </a:r>
+            <a:r>
+              <a:rPr lang="en-US" altLang="zh-CN" dirty="0">
+                <a:solidFill>
+                  <a:srgbClr val="FF0000"/>
+                </a:solidFill>
+              </a:rPr>
+              <a:t>load</a:t>
+            </a:r>
+            <a:r>
+              <a:rPr lang="zh-CN" altLang="en-US" dirty="0">
+                <a:solidFill>
+                  <a:srgbClr val="FF0000"/>
+                </a:solidFill>
+              </a:rPr>
+              <a:t>的地址不等于</a:t>
+            </a:r>
+            <a:r>
+              <a:rPr lang="en-US" altLang="zh-CN" dirty="0">
+                <a:solidFill>
+                  <a:srgbClr val="FF0000"/>
+                </a:solidFill>
+              </a:rPr>
+              <a:t>store</a:t>
+            </a:r>
+            <a:r>
+              <a:rPr lang="zh-CN" altLang="en-US" dirty="0">
+                <a:solidFill>
+                  <a:srgbClr val="FF0000"/>
+                </a:solidFill>
+              </a:rPr>
+              <a:t>了？</a:t>
+            </a:r>
+            <a:endParaRPr lang="en-US" altLang="zh-CN" dirty="0">
+              <a:solidFill>
+                <a:srgbClr val="FF0000"/>
+              </a:solidFill>
+            </a:endParaRPr>
+          </a:p>
+          <a:p>
+            <a:r>
+              <a:rPr lang="en-US" altLang="zh-CN">
+                <a:solidFill>
+                  <a:srgbClr val="FF0000"/>
+                </a:solidFill>
+              </a:rPr>
+              <a:t>	</a:t>
+            </a:r>
+            <a:r>
+              <a:rPr lang="zh-CN" altLang="en-US">
+                <a:solidFill>
+                  <a:srgbClr val="FF0000"/>
+                </a:solidFill>
+              </a:rPr>
+              <a:t>目前单周期流水线的架构解决不了这个问题。</a:t>
+            </a:r>
+            <a:endParaRPr lang="zh-CN" altLang="en-US" dirty="0">
+              <a:solidFill>
+                <a:srgbClr val="FF0000"/>
+              </a:solidFill>
+            </a:endParaRPr>
           </a:p>
         </p:txBody>
       </p:sp>
